--- a/Project template.pptx
+++ b/Project template.pptx
@@ -236,7 +236,7 @@
           <a:p>
             <a:fld id="{46256A78-79A6-408F-8148-4F87BB81602D}" type="datetimeFigureOut">
               <a:rPr lang="en-IN" smtClean="0"/>
-              <a:t>21-07-2025</a:t>
+              <a:t>22-07-2025</a:t>
             </a:fld>
             <a:endParaRPr lang="en-IN"/>
           </a:p>
@@ -740,7 +740,7 @@
           <a:p>
             <a:fld id="{ED291B17-9318-49DB-B28B-6E5994AE9581}" type="datetime1">
               <a:rPr lang="en-US" smtClean="0"/>
-              <a:t>7/21/2025</a:t>
+              <a:t>7/22/2025</a:t>
             </a:fld>
             <a:endParaRPr lang="en-US"/>
           </a:p>
@@ -949,7 +949,7 @@
           <a:p>
             <a:fld id="{2CED4963-E985-44C4-B8C4-FDD613B7C2F8}" type="datetime1">
               <a:rPr lang="en-US" smtClean="0"/>
-              <a:t>7/21/2025</a:t>
+              <a:t>7/22/2025</a:t>
             </a:fld>
             <a:endParaRPr lang="en-US"/>
           </a:p>
@@ -1317,7 +1317,7 @@
           <a:p>
             <a:fld id="{ED291B17-9318-49DB-B28B-6E5994AE9581}" type="datetime1">
               <a:rPr lang="en-US" smtClean="0"/>
-              <a:t>7/21/2025</a:t>
+              <a:t>7/22/2025</a:t>
             </a:fld>
             <a:endParaRPr lang="en-US"/>
           </a:p>
@@ -1521,7 +1521,7 @@
           <a:p>
             <a:fld id="{78DD82B9-B8EE-4375-B6FF-88FA6ABB15D9}" type="datetime1">
               <a:rPr lang="en-US" smtClean="0"/>
-              <a:t>7/21/2025</a:t>
+              <a:t>7/22/2025</a:t>
             </a:fld>
             <a:endParaRPr lang="en-US"/>
           </a:p>
@@ -1778,7 +1778,7 @@
           <a:p>
             <a:fld id="{B2497495-0637-405E-AE64-5CC7506D51F5}" type="datetime1">
               <a:rPr lang="en-US" smtClean="0"/>
-              <a:t>7/21/2025</a:t>
+              <a:t>7/22/2025</a:t>
             </a:fld>
             <a:endParaRPr lang="en-US"/>
           </a:p>
@@ -2036,7 +2036,7 @@
           <a:p>
             <a:fld id="{7BFFD690-9426-415D-8B65-26881E07B2D4}" type="datetime1">
               <a:rPr lang="en-US" smtClean="0"/>
-              <a:t>7/21/2025</a:t>
+              <a:t>7/22/2025</a:t>
             </a:fld>
             <a:endParaRPr lang="en-US"/>
           </a:p>
@@ -2463,7 +2463,7 @@
           <a:p>
             <a:fld id="{04C4989A-474C-40DE-95B9-011C28B71673}" type="datetime1">
               <a:rPr lang="en-US" smtClean="0"/>
-              <a:t>7/21/2025</a:t>
+              <a:t>7/22/2025</a:t>
             </a:fld>
             <a:endParaRPr lang="en-US"/>
           </a:p>
@@ -2593,7 +2593,7 @@
           <a:p>
             <a:fld id="{5DB4ED54-5B5E-4A04-93D3-5772E3CE3818}" type="datetime1">
               <a:rPr lang="en-US" smtClean="0"/>
-              <a:t>7/21/2025</a:t>
+              <a:t>7/22/2025</a:t>
             </a:fld>
             <a:endParaRPr lang="en-US"/>
           </a:p>
@@ -2696,7 +2696,7 @@
           <a:p>
             <a:fld id="{4EDE50D6-574B-40AF-946F-D52A04ADE379}" type="datetime1">
               <a:rPr lang="en-US" smtClean="0"/>
-              <a:t>7/21/2025</a:t>
+              <a:t>7/22/2025</a:t>
             </a:fld>
             <a:endParaRPr lang="en-US"/>
           </a:p>
@@ -3079,7 +3079,7 @@
           <a:p>
             <a:fld id="{D82884F1-FFEA-405F-9602-3DCA865EDA4E}" type="datetime1">
               <a:rPr lang="en-US" smtClean="0"/>
-              <a:t>7/21/2025</a:t>
+              <a:t>7/22/2025</a:t>
             </a:fld>
             <a:endParaRPr lang="en-US"/>
           </a:p>
@@ -3373,7 +3373,7 @@
           <a:p>
             <a:fld id="{7E18DB4A-8810-4A10-AD5C-D5E2C667F5B3}" type="datetime1">
               <a:rPr lang="en-US" smtClean="0"/>
-              <a:t>7/21/2025</a:t>
+              <a:t>7/22/2025</a:t>
             </a:fld>
             <a:endParaRPr lang="en-US"/>
           </a:p>
@@ -3594,7 +3594,7 @@
           <a:p>
             <a:fld id="{ED291B17-9318-49DB-B28B-6E5994AE9581}" type="datetime1">
               <a:rPr lang="en-US" smtClean="0"/>
-              <a:t>7/21/2025</a:t>
+              <a:t>7/22/2025</a:t>
             </a:fld>
             <a:endParaRPr lang="en-US"/>
           </a:p>
@@ -5260,27 +5260,19 @@
           <a:p>
             <a:pPr marL="305435" indent="-305435"/>
             <a:r>
-              <a:rPr lang="en-US" sz="2800" b="1" dirty="0"/>
-              <a:t>Attach your </a:t>
-            </a:r>
-            <a:r>
-              <a:rPr lang="en-US" sz="2800" b="1" dirty="0" err="1"/>
-              <a:t>Github</a:t>
-            </a:r>
-            <a:r>
-              <a:rPr lang="en-US" sz="2800" b="1" dirty="0"/>
-              <a:t> link</a:t>
-            </a:r>
-          </a:p>
-          <a:p>
-            <a:pPr marL="305435" indent="-305435"/>
-            <a:r>
-              <a:rPr lang="en-US" sz="2800" dirty="0">
+              <a:rPr lang="en-US" sz="2800" b="1" dirty="0">
                 <a:ea typeface="+mn-lt"/>
                 <a:cs typeface="+mn-lt"/>
-                <a:hlinkClick r:id="rId2" tooltip="https://github.com/AbhisekDas01/Employee-Salary-Prediction-App.git"/>
-              </a:rPr>
-              <a:t>https://github.com/AbhisekDas01/Employee-Salary-Prediction-App.git</a:t>
+              </a:rPr>
+              <a:t>GitHub: </a:t>
+            </a:r>
+            <a:r>
+              <a:rPr lang="en-US" sz="2800" b="1" dirty="0">
+                <a:ea typeface="+mn-lt"/>
+                <a:cs typeface="+mn-lt"/>
+                <a:hlinkClick r:id="rId2"/>
+              </a:rPr>
+              <a:t>Click Here</a:t>
             </a:r>
             <a:endParaRPr lang="en-US" sz="2800" b="1" dirty="0">
               <a:ea typeface="+mn-lt"/>
@@ -5541,10 +5533,10 @@
       </p:sp>
       <p:pic>
         <p:nvPicPr>
-          <p:cNvPr id="4" name="Picture 3">
+          <p:cNvPr id="8" name="Picture 7">
             <a:extLst>
               <a:ext uri="{FF2B5EF4-FFF2-40B4-BE49-F238E27FC236}">
-                <a16:creationId xmlns:a16="http://schemas.microsoft.com/office/drawing/2014/main" id="{6734ABE8-E62E-E750-A49E-1DFCF05524FB}"/>
+                <a16:creationId xmlns:a16="http://schemas.microsoft.com/office/drawing/2014/main" id="{101439CE-22EE-90BA-18AE-C101466AEB33}"/>
               </a:ext>
             </a:extLst>
           </p:cNvPr>
@@ -5561,8 +5553,8 @@
         </p:blipFill>
         <p:spPr>
           <a:xfrm>
-            <a:off x="659945" y="1232452"/>
-            <a:ext cx="5948190" cy="5516056"/>
+            <a:off x="6828872" y="1461977"/>
+            <a:ext cx="4664924" cy="4178149"/>
           </a:xfrm>
           <a:prstGeom prst="rect">
             <a:avLst/>
@@ -5571,10 +5563,10 @@
       </p:pic>
       <p:pic>
         <p:nvPicPr>
-          <p:cNvPr id="8" name="Picture 7">
+          <p:cNvPr id="6" name="Picture 5">
             <a:extLst>
               <a:ext uri="{FF2B5EF4-FFF2-40B4-BE49-F238E27FC236}">
-                <a16:creationId xmlns:a16="http://schemas.microsoft.com/office/drawing/2014/main" id="{101439CE-22EE-90BA-18AE-C101466AEB33}"/>
+                <a16:creationId xmlns:a16="http://schemas.microsoft.com/office/drawing/2014/main" id="{93C792CE-83F1-40D5-3389-53E0B88D1AC8}"/>
               </a:ext>
             </a:extLst>
           </p:cNvPr>
@@ -5591,8 +5583,8 @@
         </p:blipFill>
         <p:spPr>
           <a:xfrm>
-            <a:off x="6828872" y="1461977"/>
-            <a:ext cx="4664924" cy="4178149"/>
+            <a:off x="581192" y="1253717"/>
+            <a:ext cx="5688299" cy="5162855"/>
           </a:xfrm>
           <a:prstGeom prst="rect">
             <a:avLst/>
@@ -5747,10 +5739,10 @@
       </p:sp>
       <p:pic>
         <p:nvPicPr>
-          <p:cNvPr id="6" name="Picture 5">
+          <p:cNvPr id="4" name="Picture 3">
             <a:extLst>
               <a:ext uri="{FF2B5EF4-FFF2-40B4-BE49-F238E27FC236}">
-                <a16:creationId xmlns:a16="http://schemas.microsoft.com/office/drawing/2014/main" id="{EA732882-CFA2-1250-3931-648134760DEA}"/>
+                <a16:creationId xmlns:a16="http://schemas.microsoft.com/office/drawing/2014/main" id="{4C3DBB33-6BDB-7323-4795-85EF75C69EFE}"/>
               </a:ext>
             </a:extLst>
           </p:cNvPr>
@@ -5767,8 +5759,8 @@
         </p:blipFill>
         <p:spPr>
           <a:xfrm>
-            <a:off x="667131" y="1253517"/>
-            <a:ext cx="8806479" cy="4902327"/>
+            <a:off x="581192" y="1534568"/>
+            <a:ext cx="10611293" cy="4208239"/>
           </a:xfrm>
           <a:prstGeom prst="rect">
             <a:avLst/>
@@ -6146,18 +6138,27 @@
             <a:pPr marL="0" indent="0">
               <a:buNone/>
             </a:pPr>
-            <a:endParaRPr lang="en-US" sz="2000" b="1" dirty="0"/>
-          </a:p>
-          <a:p>
-            <a:pPr marL="305435" indent="-305435"/>
-            <a:r>
-              <a:rPr lang="en-US" sz="2800" b="1" dirty="0">
-                <a:ea typeface="+mn-lt"/>
-                <a:cs typeface="+mn-lt"/>
-              </a:rPr>
-              <a:t>Discuss potential enhancements and expansions for the system. </a:t>
-            </a:r>
-            <a:endParaRPr lang="en-US" sz="2800" b="1" dirty="0"/>
+            <a:r>
+              <a:rPr lang="en-US" sz="2800" b="1" dirty="0"/>
+              <a:t>Potential Enhancements and Expansions</a:t>
+            </a:r>
+          </a:p>
+          <a:p>
+            <a:pPr marL="0" indent="0">
+              <a:buNone/>
+            </a:pPr>
+            <a:r>
+              <a:rPr lang="en-US" sz="2800" b="1" dirty="0"/>
+              <a:t>Enhance prediction accuracy by using advanced models like </a:t>
+            </a:r>
+            <a:r>
+              <a:rPr lang="en-US" sz="2800" b="1" dirty="0" err="1"/>
+              <a:t>XGBoost</a:t>
+            </a:r>
+            <a:r>
+              <a:rPr lang="en-US" sz="2800" b="1" dirty="0"/>
+              <a:t> or neural networks. Automate data pipelines for real-time processing and seamless updates. Add more features such as experience level or market data. Integrate bias detection for ethical AI. Expand the system to other HR tasks like promotion or attrition prediction, ensuring transparency and adaptability.</a:t>
+            </a:r>
           </a:p>
         </p:txBody>
       </p:sp>
@@ -6632,16 +6633,43 @@
           <a:lstStyle/>
           <a:p>
             <a:pPr marL="305435" indent="-305435"/>
+            <a:endParaRPr lang="en-IN" sz="2400" dirty="0"/>
+          </a:p>
+          <a:p>
+            <a:pPr marL="305435" indent="-305435"/>
             <a:r>
               <a:rPr lang="en-IN" sz="2400" dirty="0"/>
-              <a:t>scikit-learn</a:t>
-            </a:r>
+              <a:t>IBM </a:t>
+            </a:r>
+            <a:r>
+              <a:rPr lang="en-IN" sz="2400" dirty="0" err="1"/>
+              <a:t>SkillsBuild</a:t>
+            </a:r>
+            <a:endParaRPr lang="en-IN" sz="2400" dirty="0"/>
           </a:p>
           <a:p>
             <a:pPr marL="305435" indent="-305435"/>
             <a:r>
               <a:rPr lang="en-IN" sz="2400" dirty="0"/>
               <a:t>Stream-lit</a:t>
+            </a:r>
+          </a:p>
+          <a:p>
+            <a:pPr marL="305435" indent="-305435"/>
+            <a:r>
+              <a:rPr lang="en-IN" sz="2400" dirty="0"/>
+              <a:t>Scikit-learn</a:t>
+            </a:r>
+          </a:p>
+          <a:p>
+            <a:pPr marL="305435" indent="-305435"/>
+            <a:r>
+              <a:rPr lang="en-IN" sz="2400" dirty="0" err="1"/>
+              <a:t>Edunet</a:t>
+            </a:r>
+            <a:r>
+              <a:rPr lang="en-IN" sz="2400" dirty="0"/>
+              <a:t> Foundation (AI Learning plan)</a:t>
             </a:r>
           </a:p>
           <a:p>
@@ -6967,7 +6995,7 @@
                   <a:srgbClr val="0F0F0F"/>
                 </a:solidFill>
               </a:rPr>
-              <a:t>RAM: 16GB</a:t>
+              <a:t>RAM: 2GB </a:t>
             </a:r>
           </a:p>
           <a:p>
@@ -6980,7 +7008,7 @@
                   <a:srgbClr val="0F0F0F"/>
                 </a:solidFill>
               </a:rPr>
-              <a:t>Disk Space: 512GB</a:t>
+              <a:t>Disk Space: 1GB</a:t>
             </a:r>
           </a:p>
           <a:p>
@@ -6993,7 +7021,7 @@
                   <a:srgbClr val="0F0F0F"/>
                 </a:solidFill>
               </a:rPr>
-              <a:t>Processor: intel i7</a:t>
+              <a:t>Processor: intel i3 or above</a:t>
             </a:r>
           </a:p>
           <a:p>
@@ -7903,10 +7931,15 @@
             <p:ph idx="1"/>
           </p:nvPr>
         </p:nvSpPr>
-        <p:spPr/>
+        <p:spPr>
+          <a:xfrm>
+            <a:off x="581192" y="1302025"/>
+            <a:ext cx="11029615" cy="5125355"/>
+          </a:xfrm>
+        </p:spPr>
         <p:txBody>
           <a:bodyPr>
-            <a:normAutofit fontScale="92500" lnSpcReduction="20000"/>
+            <a:normAutofit fontScale="70000" lnSpcReduction="20000"/>
           </a:bodyPr>
           <a:lstStyle/>
           <a:p>
@@ -7955,20 +7988,49 @@
               <a:buNone/>
             </a:pPr>
             <a:r>
-              <a:rPr lang="en-US" sz="2800" b="1" dirty="0" err="1">
+              <a:rPr lang="en-US" sz="2800" dirty="0">
                 <a:solidFill>
                   <a:srgbClr val="0F0F0F"/>
                 </a:solidFill>
               </a:rPr>
+              <a:t>models = {</a:t>
+            </a:r>
+          </a:p>
+          <a:p>
+            <a:pPr marL="0" indent="0">
+              <a:buNone/>
+            </a:pPr>
+            <a:r>
+              <a:rPr lang="en-US" sz="2800" dirty="0">
+                <a:solidFill>
+                  <a:srgbClr val="0F0F0F"/>
+                </a:solidFill>
+              </a:rPr>
+              <a:t>    "Logistic Regression": </a:t>
+            </a:r>
+            <a:r>
+              <a:rPr lang="en-US" sz="2800" dirty="0" err="1">
+                <a:solidFill>
+                  <a:srgbClr val="0F0F0F"/>
+                </a:solidFill>
+              </a:rPr>
               <a:t>LogisticRegression</a:t>
             </a:r>
             <a:r>
-              <a:rPr lang="en-US" sz="2800" b="1" dirty="0">
+              <a:rPr lang="en-US" sz="2800" dirty="0">
                 <a:solidFill>
                   <a:srgbClr val="0F0F0F"/>
                 </a:solidFill>
               </a:rPr>
-              <a:t>: </a:t>
+              <a:t>(</a:t>
+            </a:r>
+            <a:r>
+              <a:rPr lang="en-US" sz="2800" dirty="0" err="1">
+                <a:solidFill>
+                  <a:srgbClr val="0F0F0F"/>
+                </a:solidFill>
+              </a:rPr>
+              <a:t>max_iter</a:t>
             </a:r>
             <a:r>
               <a:rPr lang="en-US" sz="2800" dirty="0">
@@ -7976,7 +8038,7 @@
                   <a:srgbClr val="0F0F0F"/>
                 </a:solidFill>
               </a:rPr>
-              <a:t>Linear model for binary classification.</a:t>
+              <a:t>=1000),</a:t>
             </a:r>
           </a:p>
           <a:p>
@@ -7984,11 +8046,19 @@
               <a:buNone/>
             </a:pPr>
             <a:r>
-              <a:rPr lang="en-US" sz="2800" b="1" dirty="0" err="1">
+              <a:rPr lang="en-US" sz="2800" dirty="0">
                 <a:solidFill>
                   <a:srgbClr val="0F0F0F"/>
                 </a:solidFill>
               </a:rPr>
+              <a:t>    "Decision Tree": </a:t>
+            </a:r>
+            <a:r>
+              <a:rPr lang="en-US" sz="2800" dirty="0" err="1">
+                <a:solidFill>
+                  <a:srgbClr val="0F0F0F"/>
+                </a:solidFill>
+              </a:rPr>
               <a:t>DecisionTreeClassifier</a:t>
             </a:r>
             <a:r>
@@ -7997,7 +8067,7 @@
                   <a:srgbClr val="0F0F0F"/>
                 </a:solidFill>
               </a:rPr>
-              <a:t>: Tree-based model for classification.</a:t>
+              <a:t>(),</a:t>
             </a:r>
           </a:p>
           <a:p>
@@ -8005,11 +8075,19 @@
               <a:buNone/>
             </a:pPr>
             <a:r>
-              <a:rPr lang="en-US" sz="2800" b="1" dirty="0" err="1">
+              <a:rPr lang="en-US" sz="2800" dirty="0">
                 <a:solidFill>
                   <a:srgbClr val="0F0F0F"/>
                 </a:solidFill>
               </a:rPr>
+              <a:t>    "Random Forest": </a:t>
+            </a:r>
+            <a:r>
+              <a:rPr lang="en-US" sz="2800" dirty="0" err="1">
+                <a:solidFill>
+                  <a:srgbClr val="0F0F0F"/>
+                </a:solidFill>
+              </a:rPr>
               <a:t>RandomForestClassifier</a:t>
             </a:r>
             <a:r>
@@ -8018,7 +8096,7 @@
                   <a:srgbClr val="0F0F0F"/>
                 </a:solidFill>
               </a:rPr>
-              <a:t>: Ensemble of decision trees for better accuracy.</a:t>
+              <a:t>(),</a:t>
             </a:r>
           </a:p>
           <a:p>
@@ -8026,20 +8104,41 @@
               <a:buNone/>
             </a:pPr>
             <a:r>
-              <a:rPr lang="en-US" sz="2800" b="1" dirty="0">
+              <a:rPr lang="en-US" sz="2800" dirty="0">
                 <a:solidFill>
                   <a:srgbClr val="0F0F0F"/>
                 </a:solidFill>
               </a:rPr>
-              <a:t>SVC</a:t>
-            </a:r>
+              <a:t>    "SVM": SVC(),</a:t>
+            </a:r>
+          </a:p>
+          <a:p>
+            <a:pPr marL="0" indent="0">
+              <a:buNone/>
+            </a:pPr>
             <a:r>
               <a:rPr lang="en-US" sz="2800" dirty="0">
                 <a:solidFill>
                   <a:srgbClr val="0F0F0F"/>
                 </a:solidFill>
               </a:rPr>
-              <a:t>: Support Vector Classifier for classification tasks.</a:t>
+              <a:t>    "KNN": </a:t>
+            </a:r>
+            <a:r>
+              <a:rPr lang="en-US" sz="2800" dirty="0" err="1">
+                <a:solidFill>
+                  <a:srgbClr val="0F0F0F"/>
+                </a:solidFill>
+              </a:rPr>
+              <a:t>KNeighborsClassifier</a:t>
+            </a:r>
+            <a:r>
+              <a:rPr lang="en-US" sz="2800" dirty="0">
+                <a:solidFill>
+                  <a:srgbClr val="0F0F0F"/>
+                </a:solidFill>
+              </a:rPr>
+              <a:t>(),</a:t>
             </a:r>
           </a:p>
           <a:p>
@@ -8047,12 +8146,20 @@
               <a:buNone/>
             </a:pPr>
             <a:r>
-              <a:rPr lang="en-US" sz="2800" b="1" dirty="0" err="1">
+              <a:rPr lang="en-US" sz="2800" dirty="0">
                 <a:solidFill>
                   <a:srgbClr val="0F0F0F"/>
                 </a:solidFill>
               </a:rPr>
-              <a:t>KNeighborsClassifier</a:t>
+              <a:t>    "Gradient Boosting": </a:t>
+            </a:r>
+            <a:r>
+              <a:rPr lang="en-US" sz="2800" dirty="0" err="1">
+                <a:solidFill>
+                  <a:srgbClr val="0F0F0F"/>
+                </a:solidFill>
+              </a:rPr>
+              <a:t>GradientBoostingClassifier</a:t>
             </a:r>
             <a:r>
               <a:rPr lang="en-US" sz="2800" dirty="0">
@@ -8060,7 +8167,7 @@
                   <a:srgbClr val="0F0F0F"/>
                 </a:solidFill>
               </a:rPr>
-              <a:t>: Classifies based on the closest data points.</a:t>
+              <a:t>(),</a:t>
             </a:r>
           </a:p>
           <a:p>
@@ -8068,12 +8175,20 @@
               <a:buNone/>
             </a:pPr>
             <a:r>
-              <a:rPr lang="en-US" sz="2800" b="1" dirty="0" err="1">
+              <a:rPr lang="en-US" sz="2800" dirty="0">
                 <a:solidFill>
                   <a:srgbClr val="0F0F0F"/>
                 </a:solidFill>
               </a:rPr>
-              <a:t>GradientBoostingClassifier</a:t>
+              <a:t>    "AdaBoost": </a:t>
+            </a:r>
+            <a:r>
+              <a:rPr lang="en-US" sz="2800" dirty="0" err="1">
+                <a:solidFill>
+                  <a:srgbClr val="0F0F0F"/>
+                </a:solidFill>
+              </a:rPr>
+              <a:t>AdaBoostClassifier</a:t>
             </a:r>
             <a:r>
               <a:rPr lang="en-US" sz="2800" dirty="0">
@@ -8081,18 +8196,21 @@
                   <a:srgbClr val="0F0F0F"/>
                 </a:solidFill>
               </a:rPr>
-              <a:t>: Boosting ensemble for improved performance.</a:t>
+              <a:t>()</a:t>
             </a:r>
           </a:p>
           <a:p>
             <a:pPr marL="0" indent="0">
               <a:buNone/>
             </a:pPr>
-            <a:endParaRPr lang="en-US" sz="2800" dirty="0">
-              <a:solidFill>
-                <a:srgbClr val="0F0F0F"/>
-              </a:solidFill>
-            </a:endParaRPr>
+            <a:r>
+              <a:rPr lang="en-US" sz="2800" dirty="0">
+                <a:solidFill>
+                  <a:srgbClr val="0F0F0F"/>
+                </a:solidFill>
+              </a:rPr>
+              <a:t>}</a:t>
+            </a:r>
           </a:p>
           <a:p>
             <a:pPr marL="0" indent="0">
@@ -8871,21 +8989,21 @@
 </file>
 
 <file path=customXml/item1.xml><?xml version="1.0" encoding="utf-8"?>
+<p:properties xmlns:p="http://schemas.microsoft.com/office/2006/metadata/properties" xmlns:xsi="http://www.w3.org/2001/XMLSchema-instance" xmlns:pc="http://schemas.microsoft.com/office/infopath/2007/PartnerControls">
+  <documentManagement>
+    <MediaServiceKeyPoints xmlns="9162bd5b-4ed9-4da3-b376-05204580ba3f" xsi:nil="true"/>
+    <_activity xmlns="9162bd5b-4ed9-4da3-b376-05204580ba3f" xsi:nil="true"/>
+  </documentManagement>
+</p:properties>
+</file>
+
+<file path=customXml/item2.xml><?xml version="1.0" encoding="utf-8"?>
 <?mso-contentType ?>
 <FormTemplates xmlns="http://schemas.microsoft.com/sharepoint/v3/contenttype/forms">
   <Display>DocumentLibraryForm</Display>
   <Edit>DocumentLibraryForm</Edit>
   <New>DocumentLibraryForm</New>
 </FormTemplates>
-</file>
-
-<file path=customXml/item2.xml><?xml version="1.0" encoding="utf-8"?>
-<p:properties xmlns:p="http://schemas.microsoft.com/office/2006/metadata/properties" xmlns:xsi="http://www.w3.org/2001/XMLSchema-instance" xmlns:pc="http://schemas.microsoft.com/office/infopath/2007/PartnerControls">
-  <documentManagement>
-    <MediaServiceKeyPoints xmlns="9162bd5b-4ed9-4da3-b376-05204580ba3f" xsi:nil="true"/>
-    <_activity xmlns="9162bd5b-4ed9-4da3-b376-05204580ba3f" xsi:nil="true"/>
-  </documentManagement>
-</p:properties>
 </file>
 
 <file path=customXml/item3.xml><?xml version="1.0" encoding="utf-8"?>
@@ -9136,14 +9254,6 @@
 </file>
 
 <file path=customXml/itemProps1.xml><?xml version="1.0" encoding="utf-8"?>
-<ds:datastoreItem xmlns:ds="http://schemas.openxmlformats.org/officeDocument/2006/customXml" ds:itemID="{927BD4C1-B6B1-4715-ABF9-E660A51A4EA0}">
-  <ds:schemaRefs>
-    <ds:schemaRef ds:uri="http://schemas.microsoft.com/sharepoint/v3/contenttype/forms"/>
-  </ds:schemaRefs>
-</ds:datastoreItem>
-</file>
-
-<file path=customXml/itemProps2.xml><?xml version="1.0" encoding="utf-8"?>
 <ds:datastoreItem xmlns:ds="http://schemas.openxmlformats.org/officeDocument/2006/customXml" ds:itemID="{8D289AE2-D2AE-49D1-AFAC-3A79F6794255}">
   <ds:schemaRefs>
     <ds:schemaRef ds:uri="http://purl.org/dc/terms/"/>
@@ -9156,6 +9266,14 @@
     <ds:schemaRef ds:uri="9162bd5b-4ed9-4da3-b376-05204580ba3f"/>
     <ds:schemaRef ds:uri="http://www.w3.org/XML/1998/namespace"/>
     <ds:schemaRef ds:uri="http://purl.org/dc/dcmitype/"/>
+  </ds:schemaRefs>
+</ds:datastoreItem>
+</file>
+
+<file path=customXml/itemProps2.xml><?xml version="1.0" encoding="utf-8"?>
+<ds:datastoreItem xmlns:ds="http://schemas.openxmlformats.org/officeDocument/2006/customXml" ds:itemID="{927BD4C1-B6B1-4715-ABF9-E660A51A4EA0}">
+  <ds:schemaRefs>
+    <ds:schemaRef ds:uri="http://schemas.microsoft.com/sharepoint/v3/contenttype/forms"/>
   </ds:schemaRefs>
 </ds:datastoreItem>
 </file>
